--- a/report/customer_segment_report.pptx
+++ b/report/customer_segment_report.pptx
@@ -5,7 +5,7 @@
     <p:sldMasterId id="2147483648" r:id="rId1"/>
   </p:sldMasterIdLst>
   <p:notesMasterIdLst>
-    <p:notesMasterId r:id="rId10"/>
+    <p:notesMasterId r:id="rId13"/>
   </p:notesMasterIdLst>
   <p:sldIdLst>
     <p:sldId id="256" r:id="rId2"/>
@@ -16,6 +16,9 @@
     <p:sldId id="261" r:id="rId7"/>
     <p:sldId id="262" r:id="rId8"/>
     <p:sldId id="263" r:id="rId9"/>
+    <p:sldId id="264" r:id="rId10"/>
+    <p:sldId id="265" r:id="rId11"/>
+    <p:sldId id="266" r:id="rId12"/>
   </p:sldIdLst>
   <p:sldSz cx="12192000" cy="6858000"/>
   <p:notesSz cx="6858000" cy="9144000"/>
@@ -114,6 +117,11 @@
       </a:defRPr>
     </a:lvl9pPr>
   </p:defaultTextStyle>
+  <p:extLst>
+    <p:ext uri="{EFAFB233-063F-42B5-8137-9DF3F51BA10A}">
+      <p15:sldGuideLst xmlns:p15="http://schemas.microsoft.com/office/powerpoint/2012/main"/>
+    </p:ext>
+  </p:extLst>
 </p:presentation>
 </file>
 
@@ -4055,6 +4063,572 @@
 </p:sld>
 </file>
 
+<file path=ppt/slides/slide10.xml><?xml version="1.0" encoding="utf-8"?>
+<p:sld xmlns:a="http://schemas.openxmlformats.org/drawingml/2006/main" xmlns:r="http://schemas.openxmlformats.org/officeDocument/2006/relationships" xmlns:p="http://schemas.openxmlformats.org/presentationml/2006/main">
+  <p:cSld>
+    <p:spTree>
+      <p:nvGrpSpPr>
+        <p:cNvPr id="1" name="">
+          <a:extLst>
+            <a:ext uri="{FF2B5EF4-FFF2-40B4-BE49-F238E27FC236}">
+              <a16:creationId xmlns:a16="http://schemas.microsoft.com/office/drawing/2014/main" id="{22F796E3-DFBF-BCF2-D579-F932F297A339}"/>
+            </a:ext>
+          </a:extLst>
+        </p:cNvPr>
+        <p:cNvGrpSpPr/>
+        <p:nvPr/>
+      </p:nvGrpSpPr>
+      <p:grpSpPr>
+        <a:xfrm>
+          <a:off x="0" y="0"/>
+          <a:ext cx="0" cy="0"/>
+          <a:chOff x="0" y="0"/>
+          <a:chExt cx="0" cy="0"/>
+        </a:xfrm>
+      </p:grpSpPr>
+      <p:sp>
+        <p:nvSpPr>
+          <p:cNvPr id="14" name="Content Placeholder 2">
+            <a:extLst>
+              <a:ext uri="{FF2B5EF4-FFF2-40B4-BE49-F238E27FC236}">
+                <a16:creationId xmlns:a16="http://schemas.microsoft.com/office/drawing/2014/main" id="{8223519C-0DB0-51DB-C6B4-7DC74733A362}"/>
+              </a:ext>
+            </a:extLst>
+          </p:cNvPr>
+          <p:cNvSpPr>
+            <a:spLocks noGrp="1"/>
+          </p:cNvSpPr>
+          <p:nvPr>
+            <p:ph idx="1"/>
+          </p:nvPr>
+        </p:nvSpPr>
+        <p:spPr>
+          <a:xfrm>
+            <a:off x="266622" y="3881158"/>
+            <a:ext cx="11548859" cy="2643019"/>
+          </a:xfrm>
+        </p:spPr>
+        <p:txBody>
+          <a:bodyPr>
+            <a:normAutofit/>
+          </a:bodyPr>
+          <a:lstStyle/>
+          <a:p>
+            <a:pPr marL="0" indent="0">
+              <a:buNone/>
+            </a:pPr>
+            <a:r>
+              <a:rPr lang="en-US" sz="2200" dirty="0"/>
+              <a:t>There are three lowest customer segments in the past six months, accounting for a total of </a:t>
+            </a:r>
+            <a:r>
+              <a:rPr lang="en-US" sz="2200" dirty="0">
+                <a:solidFill>
+                  <a:schemeClr val="accent1">
+                    <a:lumMod val="75000"/>
+                  </a:schemeClr>
+                </a:solidFill>
+              </a:rPr>
+              <a:t>20%:</a:t>
+            </a:r>
+            <a:endParaRPr lang="en-US" sz="2200" dirty="0"/>
+          </a:p>
+          <a:p>
+            <a:r>
+              <a:rPr lang="en-US" sz="2000" dirty="0">
+                <a:solidFill>
+                  <a:schemeClr val="accent1">
+                    <a:lumMod val="75000"/>
+                  </a:schemeClr>
+                </a:solidFill>
+              </a:rPr>
+              <a:t>About to Sleep</a:t>
+            </a:r>
+            <a:r>
+              <a:rPr lang="en-US" sz="1600" b="0" i="0" dirty="0">
+                <a:solidFill>
+                  <a:srgbClr val="111111"/>
+                </a:solidFill>
+                <a:effectLst/>
+                <a:latin typeface="-apple-system"/>
+              </a:rPr>
+              <a:t>: These customers have used our service before but haven’t spent much or used it frequently recently. This could indicate dissatisfaction or the presence of alternatives. </a:t>
+            </a:r>
+            <a:r>
+              <a:rPr lang="en-US" sz="1600" dirty="0">
+                <a:solidFill>
+                  <a:srgbClr val="111111"/>
+                </a:solidFill>
+                <a:latin typeface="-apple-system"/>
+              </a:rPr>
+              <a:t>We</a:t>
+            </a:r>
+            <a:r>
+              <a:rPr lang="en-US" sz="1600" b="0" i="0" dirty="0">
+                <a:solidFill>
+                  <a:srgbClr val="111111"/>
+                </a:solidFill>
+                <a:effectLst/>
+                <a:latin typeface="-apple-system"/>
+              </a:rPr>
+              <a:t> may need to investigate why they’re not returning and improve accordingly.</a:t>
+            </a:r>
+          </a:p>
+          <a:p>
+            <a:r>
+              <a:rPr lang="en-US" sz="2000" dirty="0">
+                <a:solidFill>
+                  <a:schemeClr val="accent1">
+                    <a:lumMod val="75000"/>
+                  </a:schemeClr>
+                </a:solidFill>
+              </a:rPr>
+              <a:t>New Customers</a:t>
+            </a:r>
+            <a:r>
+              <a:rPr lang="en-US" sz="1600" b="0" i="0" dirty="0">
+                <a:solidFill>
+                  <a:srgbClr val="111111"/>
+                </a:solidFill>
+                <a:effectLst/>
+                <a:latin typeface="-apple-system"/>
+              </a:rPr>
+              <a:t>: </a:t>
+            </a:r>
+            <a:r>
+              <a:rPr lang="en-US" sz="1600" dirty="0">
+                <a:solidFill>
+                  <a:srgbClr val="111111"/>
+                </a:solidFill>
+                <a:latin typeface="-apple-system"/>
+              </a:rPr>
+              <a:t>These customers have recently started using our service. Their spending isn’t significant yet due to fewer opportunities. This indicates we’re attracting new customers, but need to focus on converting them into regular or loyal customers.</a:t>
+            </a:r>
+          </a:p>
+          <a:p>
+            <a:r>
+              <a:rPr lang="en-US" sz="2000" dirty="0">
+                <a:solidFill>
+                  <a:schemeClr val="accent1">
+                    <a:lumMod val="75000"/>
+                  </a:schemeClr>
+                </a:solidFill>
+              </a:rPr>
+              <a:t>Potential Loyalists</a:t>
+            </a:r>
+            <a:r>
+              <a:rPr lang="en-US" sz="1600" b="0" i="0" dirty="0">
+                <a:solidFill>
+                  <a:srgbClr val="111111"/>
+                </a:solidFill>
+                <a:effectLst/>
+                <a:latin typeface="-apple-system"/>
+              </a:rPr>
+              <a:t>: These customers may use our service less frequently, but they spend a lot. This indicates they value our service or product and are willing to spend more than other customers. We may need to strengthen our relationship with this group to convert them into loyal customers.</a:t>
+            </a:r>
+            <a:r>
+              <a:rPr lang="en-US" sz="2200" dirty="0"/>
+              <a:t> </a:t>
+            </a:r>
+          </a:p>
+        </p:txBody>
+      </p:sp>
+      <p:sp>
+        <p:nvSpPr>
+          <p:cNvPr id="17" name="TextBox 16">
+            <a:extLst>
+              <a:ext uri="{FF2B5EF4-FFF2-40B4-BE49-F238E27FC236}">
+                <a16:creationId xmlns:a16="http://schemas.microsoft.com/office/drawing/2014/main" id="{2080EF7A-793A-076A-C7A7-ABF594318206}"/>
+              </a:ext>
+            </a:extLst>
+          </p:cNvPr>
+          <p:cNvSpPr txBox="1"/>
+          <p:nvPr/>
+        </p:nvSpPr>
+        <p:spPr>
+          <a:xfrm>
+            <a:off x="98610" y="129552"/>
+            <a:ext cx="8104095" cy="369332"/>
+          </a:xfrm>
+          <a:prstGeom prst="rect">
+            <a:avLst/>
+          </a:prstGeom>
+          <a:noFill/>
+        </p:spPr>
+        <p:txBody>
+          <a:bodyPr wrap="square">
+            <a:spAutoFit/>
+          </a:bodyPr>
+          <a:lstStyle/>
+          <a:p>
+            <a:pPr marL="0" indent="0">
+              <a:buNone/>
+            </a:pPr>
+            <a:r>
+              <a:rPr lang="en-US" sz="1800" dirty="0"/>
+              <a:t>Q: </a:t>
+            </a:r>
+            <a:r>
+              <a:rPr lang="en-US" sz="1800" b="1" dirty="0">
+                <a:solidFill>
+                  <a:srgbClr val="C00000"/>
+                </a:solidFill>
+                <a:latin typeface="+mj-lt"/>
+                <a:ea typeface="+mj-ea"/>
+                <a:cs typeface="+mj-cs"/>
+              </a:rPr>
+              <a:t>How has situation </a:t>
+            </a:r>
+            <a:r>
+              <a:rPr lang="en-US" b="1" dirty="0">
+                <a:solidFill>
+                  <a:srgbClr val="C00000"/>
+                </a:solidFill>
+                <a:latin typeface="+mj-lt"/>
+                <a:ea typeface="+mj-ea"/>
+                <a:cs typeface="+mj-cs"/>
+              </a:rPr>
+              <a:t>of </a:t>
+            </a:r>
+            <a:r>
+              <a:rPr lang="en-US" sz="1800" b="1" dirty="0">
+                <a:solidFill>
+                  <a:srgbClr val="C00000"/>
+                </a:solidFill>
+                <a:latin typeface="+mj-lt"/>
+                <a:ea typeface="+mj-ea"/>
+                <a:cs typeface="+mj-cs"/>
+              </a:rPr>
+              <a:t>number of customer purchase been over the past six months?</a:t>
+            </a:r>
+          </a:p>
+        </p:txBody>
+      </p:sp>
+      <p:pic>
+        <p:nvPicPr>
+          <p:cNvPr id="3" name="Picture 2">
+            <a:extLst>
+              <a:ext uri="{FF2B5EF4-FFF2-40B4-BE49-F238E27FC236}">
+                <a16:creationId xmlns:a16="http://schemas.microsoft.com/office/drawing/2014/main" id="{CB539079-1362-FFB8-E854-E22E0C6BAB13}"/>
+              </a:ext>
+            </a:extLst>
+          </p:cNvPr>
+          <p:cNvPicPr>
+            <a:picLocks noChangeAspect="1"/>
+          </p:cNvPicPr>
+          <p:nvPr/>
+        </p:nvPicPr>
+        <p:blipFill>
+          <a:blip r:embed="rId2"/>
+          <a:stretch>
+            <a:fillRect/>
+          </a:stretch>
+        </p:blipFill>
+        <p:spPr>
+          <a:xfrm>
+            <a:off x="0" y="1201454"/>
+            <a:ext cx="12192000" cy="2572152"/>
+          </a:xfrm>
+          <a:prstGeom prst="rect">
+            <a:avLst/>
+          </a:prstGeom>
+        </p:spPr>
+      </p:pic>
+      <p:pic>
+        <p:nvPicPr>
+          <p:cNvPr id="5" name="Picture 4">
+            <a:extLst>
+              <a:ext uri="{FF2B5EF4-FFF2-40B4-BE49-F238E27FC236}">
+                <a16:creationId xmlns:a16="http://schemas.microsoft.com/office/drawing/2014/main" id="{97580830-0E1F-EE89-5BE3-64ECFC48C4A9}"/>
+              </a:ext>
+            </a:extLst>
+          </p:cNvPr>
+          <p:cNvPicPr>
+            <a:picLocks noChangeAspect="1"/>
+          </p:cNvPicPr>
+          <p:nvPr/>
+        </p:nvPicPr>
+        <p:blipFill>
+          <a:blip r:embed="rId3"/>
+          <a:stretch>
+            <a:fillRect/>
+          </a:stretch>
+        </p:blipFill>
+        <p:spPr>
+          <a:xfrm>
+            <a:off x="0" y="454198"/>
+            <a:ext cx="4709568" cy="693480"/>
+          </a:xfrm>
+          <a:prstGeom prst="rect">
+            <a:avLst/>
+          </a:prstGeom>
+        </p:spPr>
+      </p:pic>
+    </p:spTree>
+    <p:extLst>
+      <p:ext uri="{BB962C8B-B14F-4D97-AF65-F5344CB8AC3E}">
+        <p14:creationId xmlns:p14="http://schemas.microsoft.com/office/powerpoint/2010/main" val="2357265844"/>
+      </p:ext>
+    </p:extLst>
+  </p:cSld>
+  <p:clrMapOvr>
+    <a:masterClrMapping/>
+  </p:clrMapOvr>
+</p:sld>
+</file>
+
+<file path=ppt/slides/slide11.xml><?xml version="1.0" encoding="utf-8"?>
+<p:sld xmlns:a="http://schemas.openxmlformats.org/drawingml/2006/main" xmlns:r="http://schemas.openxmlformats.org/officeDocument/2006/relationships" xmlns:p="http://schemas.openxmlformats.org/presentationml/2006/main">
+  <p:cSld>
+    <p:spTree>
+      <p:nvGrpSpPr>
+        <p:cNvPr id="1" name=""/>
+        <p:cNvGrpSpPr/>
+        <p:nvPr/>
+      </p:nvGrpSpPr>
+      <p:grpSpPr>
+        <a:xfrm>
+          <a:off x="0" y="0"/>
+          <a:ext cx="0" cy="0"/>
+          <a:chOff x="0" y="0"/>
+          <a:chExt cx="0" cy="0"/>
+        </a:xfrm>
+      </p:grpSpPr>
+      <p:pic>
+        <p:nvPicPr>
+          <p:cNvPr id="5" name="Picture 4">
+            <a:extLst>
+              <a:ext uri="{FF2B5EF4-FFF2-40B4-BE49-F238E27FC236}">
+                <a16:creationId xmlns:a16="http://schemas.microsoft.com/office/drawing/2014/main" id="{4EB0BC1D-792D-89D6-DC1D-AB3F5878DF2B}"/>
+              </a:ext>
+            </a:extLst>
+          </p:cNvPr>
+          <p:cNvPicPr>
+            <a:picLocks noChangeAspect="1"/>
+          </p:cNvPicPr>
+          <p:nvPr/>
+        </p:nvPicPr>
+        <p:blipFill>
+          <a:blip r:embed="rId2"/>
+          <a:stretch>
+            <a:fillRect/>
+          </a:stretch>
+        </p:blipFill>
+        <p:spPr>
+          <a:xfrm>
+            <a:off x="221454" y="498884"/>
+            <a:ext cx="4595258" cy="739204"/>
+          </a:xfrm>
+          <a:prstGeom prst="rect">
+            <a:avLst/>
+          </a:prstGeom>
+        </p:spPr>
+      </p:pic>
+      <p:sp>
+        <p:nvSpPr>
+          <p:cNvPr id="6" name="TextBox 5">
+            <a:extLst>
+              <a:ext uri="{FF2B5EF4-FFF2-40B4-BE49-F238E27FC236}">
+                <a16:creationId xmlns:a16="http://schemas.microsoft.com/office/drawing/2014/main" id="{B6F169A4-E265-BAF1-4FA5-5037C55C9421}"/>
+              </a:ext>
+            </a:extLst>
+          </p:cNvPr>
+          <p:cNvSpPr txBox="1"/>
+          <p:nvPr/>
+        </p:nvSpPr>
+        <p:spPr>
+          <a:xfrm>
+            <a:off x="98611" y="129552"/>
+            <a:ext cx="8525436" cy="369332"/>
+          </a:xfrm>
+          <a:prstGeom prst="rect">
+            <a:avLst/>
+          </a:prstGeom>
+          <a:noFill/>
+        </p:spPr>
+        <p:txBody>
+          <a:bodyPr wrap="square">
+            <a:spAutoFit/>
+          </a:bodyPr>
+          <a:lstStyle/>
+          <a:p>
+            <a:pPr marL="0" indent="0">
+              <a:buNone/>
+            </a:pPr>
+            <a:r>
+              <a:rPr lang="en-US" sz="1800" dirty="0"/>
+              <a:t>Q: </a:t>
+            </a:r>
+            <a:r>
+              <a:rPr lang="en-US" sz="1800" b="1" dirty="0">
+                <a:solidFill>
+                  <a:srgbClr val="C00000"/>
+                </a:solidFill>
+                <a:latin typeface="+mj-lt"/>
+                <a:ea typeface="+mj-ea"/>
+                <a:cs typeface="+mj-cs"/>
+              </a:rPr>
+              <a:t>How has situation </a:t>
+            </a:r>
+            <a:r>
+              <a:rPr lang="en-US" b="1" dirty="0">
+                <a:solidFill>
+                  <a:srgbClr val="C00000"/>
+                </a:solidFill>
+                <a:latin typeface="+mj-lt"/>
+                <a:ea typeface="+mj-ea"/>
+                <a:cs typeface="+mj-cs"/>
+              </a:rPr>
+              <a:t>of </a:t>
+            </a:r>
+            <a:r>
+              <a:rPr lang="en-US" sz="1800" b="1" dirty="0">
+                <a:solidFill>
+                  <a:srgbClr val="C00000"/>
+                </a:solidFill>
+                <a:latin typeface="+mj-lt"/>
+                <a:ea typeface="+mj-ea"/>
+                <a:cs typeface="+mj-cs"/>
+              </a:rPr>
+              <a:t>revenue been over the past six months?</a:t>
+            </a:r>
+          </a:p>
+        </p:txBody>
+      </p:sp>
+      <p:pic>
+        <p:nvPicPr>
+          <p:cNvPr id="8" name="Picture 7">
+            <a:extLst>
+              <a:ext uri="{FF2B5EF4-FFF2-40B4-BE49-F238E27FC236}">
+                <a16:creationId xmlns:a16="http://schemas.microsoft.com/office/drawing/2014/main" id="{370D17D9-AFE6-B9EF-A9AA-998F9FD0C568}"/>
+              </a:ext>
+            </a:extLst>
+          </p:cNvPr>
+          <p:cNvPicPr>
+            <a:picLocks noChangeAspect="1"/>
+          </p:cNvPicPr>
+          <p:nvPr/>
+        </p:nvPicPr>
+        <p:blipFill>
+          <a:blip r:embed="rId3"/>
+          <a:stretch>
+            <a:fillRect/>
+          </a:stretch>
+        </p:blipFill>
+        <p:spPr>
+          <a:xfrm>
+            <a:off x="0" y="1238088"/>
+            <a:ext cx="12192000" cy="2460501"/>
+          </a:xfrm>
+          <a:prstGeom prst="rect">
+            <a:avLst/>
+          </a:prstGeom>
+        </p:spPr>
+      </p:pic>
+      <p:sp>
+        <p:nvSpPr>
+          <p:cNvPr id="9" name="Content Placeholder 2">
+            <a:extLst>
+              <a:ext uri="{FF2B5EF4-FFF2-40B4-BE49-F238E27FC236}">
+                <a16:creationId xmlns:a16="http://schemas.microsoft.com/office/drawing/2014/main" id="{8FCCE783-406D-29B5-7594-4769C7D2EBDF}"/>
+              </a:ext>
+            </a:extLst>
+          </p:cNvPr>
+          <p:cNvSpPr>
+            <a:spLocks noGrp="1"/>
+          </p:cNvSpPr>
+          <p:nvPr>
+            <p:ph idx="1"/>
+          </p:nvPr>
+        </p:nvSpPr>
+        <p:spPr>
+          <a:xfrm>
+            <a:off x="266622" y="3881158"/>
+            <a:ext cx="11548859" cy="2643019"/>
+          </a:xfrm>
+        </p:spPr>
+        <p:txBody>
+          <a:bodyPr>
+            <a:normAutofit fontScale="92500" lnSpcReduction="20000"/>
+          </a:bodyPr>
+          <a:lstStyle/>
+          <a:p>
+            <a:pPr marL="0" indent="0">
+              <a:buNone/>
+            </a:pPr>
+            <a:r>
+              <a:rPr lang="en-US" sz="2200" dirty="0"/>
+              <a:t>There are two customer segments that contribute most revenue in the past six months, accounting for a total of </a:t>
+            </a:r>
+            <a:r>
+              <a:rPr lang="en-US" sz="2200" dirty="0">
+                <a:solidFill>
+                  <a:schemeClr val="accent1">
+                    <a:lumMod val="75000"/>
+                  </a:schemeClr>
+                </a:solidFill>
+              </a:rPr>
+              <a:t>35%:</a:t>
+            </a:r>
+            <a:endParaRPr lang="en-US" sz="2200" dirty="0"/>
+          </a:p>
+          <a:p>
+            <a:r>
+              <a:rPr lang="en-US" sz="2000" dirty="0">
+                <a:solidFill>
+                  <a:schemeClr val="accent1">
+                    <a:lumMod val="75000"/>
+                  </a:schemeClr>
+                </a:solidFill>
+              </a:rPr>
+              <a:t>Price Sensitive: </a:t>
+            </a:r>
+            <a:r>
+              <a:rPr lang="en-US" sz="2000" dirty="0"/>
+              <a:t>These customers spend frequently, but their spending level is low, possibly due to their frugality or careful spending habits. This suggests that while these customers are regulars, they may not contribute significantly to our revenue due to their lower spending. It might be beneficial to explore strategies to encourage higher spending from this group, such as targeted promotions or loyalty programs.</a:t>
+            </a:r>
+          </a:p>
+          <a:p>
+            <a:r>
+              <a:rPr lang="en-US" sz="2000" dirty="0">
+                <a:solidFill>
+                  <a:schemeClr val="accent1">
+                    <a:lumMod val="75000"/>
+                  </a:schemeClr>
+                </a:solidFill>
+              </a:rPr>
+              <a:t>Champions: </a:t>
+            </a:r>
+            <a:r>
+              <a:rPr lang="en-US" sz="2000" dirty="0"/>
+              <a:t>These are VIP customers who spend a lot, use the service frequently, and have recently used the service. This group is likely our primary source of revenue. Maintaining their loyalty and satisfaction should be a priority, as they are likely to continue contributing significantly to our revenue. Personalized services or rewards could be effective strategies for this group</a:t>
+            </a:r>
+            <a:r>
+              <a:rPr lang="en-US" sz="2000" dirty="0">
+                <a:solidFill>
+                  <a:schemeClr val="accent1">
+                    <a:lumMod val="75000"/>
+                  </a:schemeClr>
+                </a:solidFill>
+              </a:rPr>
+              <a:t>.</a:t>
+            </a:r>
+          </a:p>
+        </p:txBody>
+      </p:sp>
+    </p:spTree>
+    <p:extLst>
+      <p:ext uri="{BB962C8B-B14F-4D97-AF65-F5344CB8AC3E}">
+        <p14:creationId xmlns:p14="http://schemas.microsoft.com/office/powerpoint/2010/main" val="2119828801"/>
+      </p:ext>
+    </p:extLst>
+  </p:cSld>
+  <p:clrMapOvr>
+    <a:masterClrMapping/>
+  </p:clrMapOvr>
+</p:sld>
+</file>
+
 <file path=ppt/slides/slide2.xml><?xml version="1.0" encoding="utf-8"?>
 <p:sld xmlns:a="http://schemas.openxmlformats.org/drawingml/2006/main" xmlns:r="http://schemas.openxmlformats.org/officeDocument/2006/relationships" xmlns:p="http://schemas.openxmlformats.org/presentationml/2006/main">
   <p:cSld>
@@ -5386,7 +5960,7 @@
           <p:nvPr>
             <p:extLst>
               <p:ext uri="{D42A27DB-BD31-4B8C-83A1-F6EECF244321}">
-                <p14:modId xmlns:p14="http://schemas.microsoft.com/office/powerpoint/2010/main" val="235591572"/>
+                <p14:modId xmlns:p14="http://schemas.microsoft.com/office/powerpoint/2010/main" val="1902966276"/>
               </p:ext>
             </p:extLst>
           </p:nvPr>
@@ -6214,6 +6788,104 @@
             </a:r>
           </a:p>
           <a:p>
+            <a:r>
+              <a:rPr lang="en-US" sz="2200" dirty="0"/>
+              <a:t>From </a:t>
+            </a:r>
+            <a:r>
+              <a:rPr lang="en-US" sz="2200" dirty="0">
+                <a:solidFill>
+                  <a:schemeClr val="accent1"/>
+                </a:solidFill>
+              </a:rPr>
+              <a:t>June 1, 2022, to September 1, 2022 (6 months), </a:t>
+            </a:r>
+            <a:r>
+              <a:rPr lang="en-US" sz="2200" dirty="0"/>
+              <a:t>the company had </a:t>
+            </a:r>
+            <a:r>
+              <a:rPr lang="en-US" sz="2400" dirty="0">
+                <a:solidFill>
+                  <a:schemeClr val="accent1">
+                    <a:lumMod val="75000"/>
+                  </a:schemeClr>
+                </a:solidFill>
+              </a:rPr>
+              <a:t>936,660 customers</a:t>
+            </a:r>
+            <a:r>
+              <a:rPr lang="en-US" sz="2200" dirty="0"/>
+              <a:t>, generating nearly </a:t>
+            </a:r>
+            <a:r>
+              <a:rPr lang="en-US" sz="2400" dirty="0">
+                <a:solidFill>
+                  <a:schemeClr val="accent1">
+                    <a:lumMod val="75000"/>
+                  </a:schemeClr>
+                </a:solidFill>
+              </a:rPr>
+              <a:t>82.8 billion in revenue</a:t>
+            </a:r>
+            <a:r>
+              <a:rPr lang="en-US" dirty="0"/>
+              <a:t>.</a:t>
+            </a:r>
+          </a:p>
+          <a:p>
+            <a:r>
+              <a:rPr lang="en-US" sz="2200" dirty="0"/>
+              <a:t>On average, </a:t>
+            </a:r>
+            <a:r>
+              <a:rPr lang="en-US" sz="2400" dirty="0">
+                <a:solidFill>
+                  <a:schemeClr val="accent1">
+                    <a:lumMod val="75000"/>
+                  </a:schemeClr>
+                </a:solidFill>
+              </a:rPr>
+              <a:t>a customer spends 88,359 VND</a:t>
+            </a:r>
+            <a:r>
+              <a:rPr lang="en-US" sz="2200" dirty="0"/>
+              <a:t>, with a return time of </a:t>
+            </a:r>
+            <a:r>
+              <a:rPr lang="en-US" sz="2400" dirty="0">
+                <a:solidFill>
+                  <a:schemeClr val="accent1">
+                    <a:lumMod val="75000"/>
+                  </a:schemeClr>
+                </a:solidFill>
+              </a:rPr>
+              <a:t>1.1 days per purchase</a:t>
+            </a:r>
+            <a:r>
+              <a:rPr lang="en-US" sz="2200" dirty="0"/>
+              <a:t>. As of today (September 1, 2022), the average number of days since the customer’s last </a:t>
+            </a:r>
+            <a:r>
+              <a:rPr lang="en-US" sz="2400" dirty="0"/>
+              <a:t>purchase </a:t>
+            </a:r>
+            <a:r>
+              <a:rPr lang="en-US" sz="2400" dirty="0">
+                <a:solidFill>
+                  <a:schemeClr val="accent1">
+                    <a:lumMod val="75000"/>
+                  </a:schemeClr>
+                </a:solidFill>
+              </a:rPr>
+              <a:t>(churn days) is 60 days</a:t>
+            </a:r>
+            <a:r>
+              <a:rPr lang="en-US" sz="2400" dirty="0"/>
+              <a:t>.</a:t>
+            </a:r>
+          </a:p>
+          <a:p>
             <a:pPr marL="0" indent="0">
               <a:buNone/>
             </a:pPr>
@@ -6229,6 +6901,243 @@
     <p:extLst>
       <p:ext uri="{BB962C8B-B14F-4D97-AF65-F5344CB8AC3E}">
         <p14:creationId xmlns:p14="http://schemas.microsoft.com/office/powerpoint/2010/main" val="864018028"/>
+      </p:ext>
+    </p:extLst>
+  </p:cSld>
+  <p:clrMapOvr>
+    <a:masterClrMapping/>
+  </p:clrMapOvr>
+</p:sld>
+</file>
+
+<file path=ppt/slides/slide9.xml><?xml version="1.0" encoding="utf-8"?>
+<p:sld xmlns:a="http://schemas.openxmlformats.org/drawingml/2006/main" xmlns:r="http://schemas.openxmlformats.org/officeDocument/2006/relationships" xmlns:p="http://schemas.openxmlformats.org/presentationml/2006/main">
+  <p:cSld>
+    <p:spTree>
+      <p:nvGrpSpPr>
+        <p:cNvPr id="1" name=""/>
+        <p:cNvGrpSpPr/>
+        <p:nvPr/>
+      </p:nvGrpSpPr>
+      <p:grpSpPr>
+        <a:xfrm>
+          <a:off x="0" y="0"/>
+          <a:ext cx="0" cy="0"/>
+          <a:chOff x="0" y="0"/>
+          <a:chExt cx="0" cy="0"/>
+        </a:xfrm>
+      </p:grpSpPr>
+      <p:sp>
+        <p:nvSpPr>
+          <p:cNvPr id="14" name="Content Placeholder 2">
+            <a:extLst>
+              <a:ext uri="{FF2B5EF4-FFF2-40B4-BE49-F238E27FC236}">
+                <a16:creationId xmlns:a16="http://schemas.microsoft.com/office/drawing/2014/main" id="{48301EEC-7439-BF59-F7EA-14E86E53176B}"/>
+              </a:ext>
+            </a:extLst>
+          </p:cNvPr>
+          <p:cNvSpPr>
+            <a:spLocks noGrp="1"/>
+          </p:cNvSpPr>
+          <p:nvPr>
+            <p:ph idx="1"/>
+          </p:nvPr>
+        </p:nvSpPr>
+        <p:spPr>
+          <a:xfrm>
+            <a:off x="266622" y="3881158"/>
+            <a:ext cx="11548859" cy="2643019"/>
+          </a:xfrm>
+        </p:spPr>
+        <p:txBody>
+          <a:bodyPr>
+            <a:normAutofit/>
+          </a:bodyPr>
+          <a:lstStyle/>
+          <a:p>
+            <a:pPr marL="0" indent="0">
+              <a:buNone/>
+            </a:pPr>
+            <a:r>
+              <a:rPr lang="en-US" sz="2200" dirty="0">
+                <a:solidFill>
+                  <a:schemeClr val="accent1">
+                    <a:lumMod val="75000"/>
+                  </a:schemeClr>
+                </a:solidFill>
+              </a:rPr>
+              <a:t>Price Sensitive </a:t>
+            </a:r>
+            <a:r>
+              <a:rPr lang="en-US" sz="2200" dirty="0"/>
+              <a:t>and </a:t>
+            </a:r>
+            <a:r>
+              <a:rPr lang="en-US" sz="2200" dirty="0">
+                <a:solidFill>
+                  <a:schemeClr val="accent1">
+                    <a:lumMod val="75000"/>
+                  </a:schemeClr>
+                </a:solidFill>
+              </a:rPr>
+              <a:t>Promising</a:t>
+            </a:r>
+            <a:r>
+              <a:rPr lang="en-US" sz="2200" dirty="0"/>
+              <a:t> are the two largest customer segments in the past six months, accounting for a total of </a:t>
+            </a:r>
+            <a:r>
+              <a:rPr lang="en-US" sz="2200" dirty="0">
+                <a:solidFill>
+                  <a:schemeClr val="accent1">
+                    <a:lumMod val="75000"/>
+                  </a:schemeClr>
+                </a:solidFill>
+              </a:rPr>
+              <a:t>35%</a:t>
+            </a:r>
+            <a:r>
+              <a:rPr lang="en-US" sz="2200" dirty="0"/>
+              <a:t>. This means that most customers who made purchases during this period are those with high purchase frequency, regular purchases, and they are particularly concerned about high prices. We see that the number of customers has decreased at the adjacent points, proving that the selling price has had an inverse effect on the shift to higher customer segments, so it is necessary to consider a price adjustment campaign to better retain this customer group</a:t>
+            </a:r>
+          </a:p>
+        </p:txBody>
+      </p:sp>
+      <p:sp>
+        <p:nvSpPr>
+          <p:cNvPr id="17" name="TextBox 16">
+            <a:extLst>
+              <a:ext uri="{FF2B5EF4-FFF2-40B4-BE49-F238E27FC236}">
+                <a16:creationId xmlns:a16="http://schemas.microsoft.com/office/drawing/2014/main" id="{E63699DC-B414-88A5-1950-E2E5FF7F4CA0}"/>
+              </a:ext>
+            </a:extLst>
+          </p:cNvPr>
+          <p:cNvSpPr txBox="1"/>
+          <p:nvPr/>
+        </p:nvSpPr>
+        <p:spPr>
+          <a:xfrm>
+            <a:off x="98611" y="129552"/>
+            <a:ext cx="7942730" cy="369332"/>
+          </a:xfrm>
+          <a:prstGeom prst="rect">
+            <a:avLst/>
+          </a:prstGeom>
+          <a:noFill/>
+        </p:spPr>
+        <p:txBody>
+          <a:bodyPr wrap="square">
+            <a:spAutoFit/>
+          </a:bodyPr>
+          <a:lstStyle/>
+          <a:p>
+            <a:pPr marL="0" indent="0">
+              <a:buNone/>
+            </a:pPr>
+            <a:r>
+              <a:rPr lang="en-US" sz="1800" dirty="0"/>
+              <a:t>Q: </a:t>
+            </a:r>
+            <a:r>
+              <a:rPr lang="en-US" sz="1800" b="1" dirty="0">
+                <a:solidFill>
+                  <a:srgbClr val="C00000"/>
+                </a:solidFill>
+                <a:latin typeface="+mj-lt"/>
+                <a:ea typeface="+mj-ea"/>
+                <a:cs typeface="+mj-cs"/>
+              </a:rPr>
+              <a:t>How has situation </a:t>
+            </a:r>
+            <a:r>
+              <a:rPr lang="en-US" b="1" dirty="0">
+                <a:solidFill>
+                  <a:srgbClr val="C00000"/>
+                </a:solidFill>
+                <a:latin typeface="+mj-lt"/>
+                <a:ea typeface="+mj-ea"/>
+                <a:cs typeface="+mj-cs"/>
+              </a:rPr>
+              <a:t>of </a:t>
+            </a:r>
+            <a:r>
+              <a:rPr lang="en-US" sz="1800" b="1" dirty="0">
+                <a:solidFill>
+                  <a:srgbClr val="C00000"/>
+                </a:solidFill>
+                <a:latin typeface="+mj-lt"/>
+                <a:ea typeface="+mj-ea"/>
+                <a:cs typeface="+mj-cs"/>
+              </a:rPr>
+              <a:t>number of customer purchase been over the past six months?</a:t>
+            </a:r>
+          </a:p>
+        </p:txBody>
+      </p:sp>
+      <p:pic>
+        <p:nvPicPr>
+          <p:cNvPr id="29" name="Picture 28">
+            <a:extLst>
+              <a:ext uri="{FF2B5EF4-FFF2-40B4-BE49-F238E27FC236}">
+                <a16:creationId xmlns:a16="http://schemas.microsoft.com/office/drawing/2014/main" id="{EF6AB0B4-7E3D-CB26-AADC-A2CAC978620D}"/>
+              </a:ext>
+            </a:extLst>
+          </p:cNvPr>
+          <p:cNvPicPr>
+            <a:picLocks noChangeAspect="1"/>
+          </p:cNvPicPr>
+          <p:nvPr/>
+        </p:nvPicPr>
+        <p:blipFill>
+          <a:blip r:embed="rId2"/>
+          <a:stretch>
+            <a:fillRect/>
+          </a:stretch>
+        </p:blipFill>
+        <p:spPr>
+          <a:xfrm>
+            <a:off x="0" y="1072995"/>
+            <a:ext cx="12192000" cy="2454617"/>
+          </a:xfrm>
+          <a:prstGeom prst="rect">
+            <a:avLst/>
+          </a:prstGeom>
+        </p:spPr>
+      </p:pic>
+      <p:pic>
+        <p:nvPicPr>
+          <p:cNvPr id="31" name="Picture 30">
+            <a:extLst>
+              <a:ext uri="{FF2B5EF4-FFF2-40B4-BE49-F238E27FC236}">
+                <a16:creationId xmlns:a16="http://schemas.microsoft.com/office/drawing/2014/main" id="{502DB847-AB9A-DA88-D393-5BCC5D1A1C3D}"/>
+              </a:ext>
+            </a:extLst>
+          </p:cNvPr>
+          <p:cNvPicPr>
+            <a:picLocks noChangeAspect="1"/>
+          </p:cNvPicPr>
+          <p:nvPr/>
+        </p:nvPicPr>
+        <p:blipFill>
+          <a:blip r:embed="rId3"/>
+          <a:stretch>
+            <a:fillRect/>
+          </a:stretch>
+        </p:blipFill>
+        <p:spPr>
+          <a:xfrm>
+            <a:off x="98611" y="498884"/>
+            <a:ext cx="4694327" cy="678239"/>
+          </a:xfrm>
+          <a:prstGeom prst="rect">
+            <a:avLst/>
+          </a:prstGeom>
+        </p:spPr>
+      </p:pic>
+    </p:spTree>
+    <p:extLst>
+      <p:ext uri="{BB962C8B-B14F-4D97-AF65-F5344CB8AC3E}">
+        <p14:creationId xmlns:p14="http://schemas.microsoft.com/office/powerpoint/2010/main" val="3913476132"/>
       </p:ext>
     </p:extLst>
   </p:cSld>
